--- a/Stages/Indoor/Speed Shoot - 16 or less/Speed Shoot - 16 rounds v1.pptx
+++ b/Stages/Indoor/Speed Shoot - 16 or less/Speed Shoot - 16 rounds v1.pptx
@@ -242,7 +242,7 @@
             <a:fld id="{6FD315A2-9F92-4CCE-886A-5EF00EA90DC0}" type="datetimeFigureOut">
               <a:rPr lang="en-US" smtClean="0"/>
               <a:pPr/>
-              <a:t>1/8/23</a:t>
+              <a:t>1/9/23</a:t>
             </a:fld>
             <a:endParaRPr lang="en-US"/>
           </a:p>
@@ -3721,14 +3721,14 @@
           <p:nvPr>
             <p:extLst>
               <p:ext uri="{D42A27DB-BD31-4B8C-83A1-F6EECF244321}">
-                <p14:modId xmlns:p14="http://schemas.microsoft.com/office/powerpoint/2010/main" val="2989512512"/>
+                <p14:modId xmlns:p14="http://schemas.microsoft.com/office/powerpoint/2010/main" val="1994804785"/>
               </p:ext>
             </p:extLst>
           </p:nvPr>
         </p:nvGraphicFramePr>
         <p:xfrm>
           <a:off x="177801" y="165099"/>
-          <a:ext cx="6997700" cy="2374393"/>
+          <a:ext cx="6997700" cy="2542033"/>
         </p:xfrm>
         <a:graphic>
           <a:graphicData uri="http://schemas.openxmlformats.org/drawingml/2006/table">
@@ -3856,6 +3856,20 @@
                         <a:tabLst/>
                       </a:pPr>
                       <a:r>
+                        <a:rPr kumimoji="0" lang="en-US" sz="1600" b="1" i="0" u="none" strike="noStrike" cap="none" normalizeH="0" baseline="0" dirty="0">
+                          <a:ln>
+                            <a:noFill/>
+                          </a:ln>
+                          <a:solidFill>
+                            <a:schemeClr val="tx1"/>
+                          </a:solidFill>
+                          <a:effectLst/>
+                          <a:latin typeface="Arial" charset="0"/>
+                          <a:cs typeface="Times New Roman" charset="0"/>
+                        </a:rPr>
+                        <a:t>Speed Shoot</a:t>
+                      </a:r>
+                      <a:r>
                         <a:rPr kumimoji="0" lang="en-US" sz="1200" b="1" i="0" u="none" strike="noStrike" cap="none" normalizeH="0" baseline="0" dirty="0">
                           <a:ln>
                             <a:noFill/>
@@ -3867,7 +3881,39 @@
                           <a:latin typeface="Arial" charset="0"/>
                           <a:cs typeface="Times New Roman" charset="0"/>
                         </a:rPr>
-                        <a:t>Speed Shoot – 16 Rounds v1</a:t>
+                        <a:t> </a:t>
+                      </a:r>
+                    </a:p>
+                    <a:p>
+                      <a:pPr marL="0" marR="0" lvl="0" indent="0" algn="ctr" defTabSz="966788" rtl="0" eaLnBrk="1" fontAlgn="base" latinLnBrk="0" hangingPunct="1">
+                        <a:lnSpc>
+                          <a:spcPct val="100000"/>
+                        </a:lnSpc>
+                        <a:spcBef>
+                          <a:spcPct val="20000"/>
+                        </a:spcBef>
+                        <a:spcAft>
+                          <a:spcPct val="0"/>
+                        </a:spcAft>
+                        <a:buClrTx/>
+                        <a:buSzTx/>
+                        <a:buFontTx/>
+                        <a:buNone/>
+                        <a:tabLst/>
+                      </a:pPr>
+                      <a:r>
+                        <a:rPr kumimoji="0" lang="en-US" sz="1200" b="1" i="0" u="none" strike="noStrike" cap="none" normalizeH="0" baseline="0" dirty="0">
+                          <a:ln>
+                            <a:noFill/>
+                          </a:ln>
+                          <a:solidFill>
+                            <a:schemeClr val="tx1"/>
+                          </a:solidFill>
+                          <a:effectLst/>
+                          <a:latin typeface="Arial" charset="0"/>
+                          <a:cs typeface="Times New Roman" charset="0"/>
+                        </a:rPr>
+                        <a:t>16 Rounds v1</a:t>
                       </a:r>
                       <a:endParaRPr kumimoji="0" lang="en-US" sz="1200" b="1" i="0" u="none" strike="noStrike" cap="none" normalizeH="0" baseline="0" dirty="0">
                         <a:ln>
@@ -4360,7 +4406,39 @@
                           <a:latin typeface="Arial" charset="0"/>
                           <a:cs typeface="Times New Roman" charset="0"/>
                         </a:rPr>
-                        <a:t>Comstock, 16 rounds, 80 points</a:t>
+                        <a:t>Comstock (Speed Shoot)</a:t>
+                      </a:r>
+                    </a:p>
+                    <a:p>
+                      <a:pPr marL="0" marR="0" lvl="0" indent="0" algn="l" defTabSz="966788" rtl="0" eaLnBrk="0" fontAlgn="base" latinLnBrk="0" hangingPunct="0">
+                        <a:lnSpc>
+                          <a:spcPct val="100000"/>
+                        </a:lnSpc>
+                        <a:spcBef>
+                          <a:spcPct val="0"/>
+                        </a:spcBef>
+                        <a:spcAft>
+                          <a:spcPct val="0"/>
+                        </a:spcAft>
+                        <a:buClrTx/>
+                        <a:buSzTx/>
+                        <a:buFontTx/>
+                        <a:buNone/>
+                        <a:tabLst/>
+                      </a:pPr>
+                      <a:r>
+                        <a:rPr kumimoji="0" lang="en-US" sz="1100" b="0" i="0" u="none" strike="noStrike" cap="none" normalizeH="0" baseline="0" dirty="0">
+                          <a:ln>
+                            <a:noFill/>
+                          </a:ln>
+                          <a:solidFill>
+                            <a:schemeClr val="tx1"/>
+                          </a:solidFill>
+                          <a:effectLst/>
+                          <a:latin typeface="Arial" charset="0"/>
+                          <a:cs typeface="Times New Roman" charset="0"/>
+                        </a:rPr>
+                        <a:t>                            16 rounds, 80 points</a:t>
                       </a:r>
                     </a:p>
                     <a:p>
@@ -4660,10 +4738,10 @@
                           <a:latin typeface="Arial" charset="0"/>
                           <a:cs typeface="Times New Roman" charset="0"/>
                         </a:rPr>
-                        <a:t>Upon start signal, engage target Array 1 (T1, T2, T3, T4) or target Array 2 (T5, T6, T7, T8), </a:t>
+                        <a:t>Upon start signal, from inside the box engage target Array 1 (T1-T4) or target Array 2 (T5-T8), then perform a </a:t>
                       </a:r>
                       <a:r>
-                        <a:rPr kumimoji="0" lang="en-US" sz="1100" b="0" i="0" u="sng" strike="noStrike" cap="none" normalizeH="0" baseline="0" dirty="0">
+                        <a:rPr kumimoji="0" lang="en-US" sz="1100" b="0" i="0" u="sng" strike="noStrike" cap="none" normalizeH="0" baseline="0" dirty="0" err="1">
                           <a:ln>
                             <a:noFill/>
                           </a:ln>
@@ -4674,7 +4752,35 @@
                           <a:latin typeface="Arial" charset="0"/>
                           <a:cs typeface="Times New Roman" charset="0"/>
                         </a:rPr>
-                        <a:t>reload</a:t>
+                        <a:t>manditory</a:t>
+                      </a:r>
+                      <a:r>
+                        <a:rPr kumimoji="0" lang="en-US" sz="1100" b="0" i="0" u="sng" strike="noStrike" cap="none" normalizeH="0" baseline="0">
+                          <a:ln>
+                            <a:noFill/>
+                          </a:ln>
+                          <a:solidFill>
+                            <a:schemeClr val="tx1"/>
+                          </a:solidFill>
+                          <a:effectLst/>
+                          <a:latin typeface="Arial" charset="0"/>
+                          <a:cs typeface="Times New Roman" charset="0"/>
+                        </a:rPr>
+                        <a:t> reload</a:t>
+                      </a:r>
+                      <a:r>
+                        <a:rPr kumimoji="0" lang="en-US" sz="1100" b="0" i="0" u="none" strike="noStrike" cap="none" normalizeH="0" baseline="0">
+                          <a:ln>
+                            <a:noFill/>
+                          </a:ln>
+                          <a:solidFill>
+                            <a:schemeClr val="tx1"/>
+                          </a:solidFill>
+                          <a:effectLst/>
+                          <a:latin typeface="Arial" charset="0"/>
+                          <a:cs typeface="Times New Roman" charset="0"/>
+                        </a:rPr>
+                        <a:t> </a:t>
                       </a:r>
                       <a:r>
                         <a:rPr kumimoji="0" lang="en-US" sz="1100" b="0" i="0" u="none" strike="noStrike" cap="none" normalizeH="0" baseline="0" dirty="0">
@@ -4688,7 +4794,7 @@
                           <a:latin typeface="Arial" charset="0"/>
                           <a:cs typeface="Times New Roman" charset="0"/>
                         </a:rPr>
-                        <a:t>, then engage the other array. </a:t>
+                        <a:t>and engage the remaining targets.</a:t>
                       </a:r>
                     </a:p>
                   </a:txBody>
@@ -4858,7 +4964,7 @@
         </p:nvGrpSpPr>
         <p:grpSpPr>
           <a:xfrm>
-            <a:off x="4032750" y="2700444"/>
+            <a:off x="3937055" y="3026251"/>
             <a:ext cx="1054100" cy="1194448"/>
             <a:chOff x="5288653" y="3377255"/>
             <a:chExt cx="1054100" cy="1194448"/>
@@ -5850,7 +5956,7 @@
         </p:nvCxnSpPr>
         <p:spPr>
           <a:xfrm>
-            <a:off x="4705911" y="3994083"/>
+            <a:off x="4321692" y="4263178"/>
             <a:ext cx="0" cy="1656989"/>
           </a:xfrm>
           <a:prstGeom prst="line">
@@ -5895,7 +6001,7 @@
         </p:nvSpPr>
         <p:spPr>
           <a:xfrm>
-            <a:off x="4720521" y="4545578"/>
+            <a:off x="4523622" y="4894475"/>
             <a:ext cx="784446" cy="276999"/>
           </a:xfrm>
           <a:prstGeom prst="rect">
@@ -5931,7 +6037,7 @@
         <p:spPr>
           <a:xfrm>
             <a:off x="17834" y="8420438"/>
-            <a:ext cx="5827236" cy="1015663"/>
+            <a:ext cx="5827236" cy="861774"/>
           </a:xfrm>
           <a:prstGeom prst="rect">
             <a:avLst/>
@@ -5973,21 +6079,7 @@
             </a:pPr>
             <a:r>
               <a:rPr lang="en-US" sz="1000" dirty="0"/>
-              <a:t>The front of the shooting area should be 10 yards from the front of </a:t>
-            </a:r>
-            <a:r>
-              <a:rPr lang="en-US" sz="1000"/>
-              <a:t>the targets.</a:t>
-            </a:r>
-            <a:endParaRPr lang="en-US" sz="1000" dirty="0"/>
-          </a:p>
-          <a:p>
-            <a:pPr marL="228600" indent="-228600">
-              <a:buAutoNum type="arabicParenR"/>
-            </a:pPr>
-            <a:r>
-              <a:rPr lang="en-US" sz="1000" dirty="0"/>
-              <a:t>Wall should be centered on the shooting box.</a:t>
+              <a:t>The front of the shooting area should be 10 yards from the front of the targets</a:t>
             </a:r>
           </a:p>
           <a:p>
@@ -6001,178 +6093,6 @@
           </a:p>
         </p:txBody>
       </p:sp>
-      <p:cxnSp>
-        <p:nvCxnSpPr>
-          <p:cNvPr id="112" name="Straight Connector 111">
-            <a:extLst>
-              <a:ext uri="{FF2B5EF4-FFF2-40B4-BE49-F238E27FC236}">
-                <a16:creationId xmlns:a16="http://schemas.microsoft.com/office/drawing/2014/main" id="{B41C1880-A634-7654-737E-75FB6EF298AF}"/>
-              </a:ext>
-            </a:extLst>
-          </p:cNvPr>
-          <p:cNvCxnSpPr>
-            <a:cxnSpLocks/>
-          </p:cNvCxnSpPr>
-          <p:nvPr/>
-        </p:nvCxnSpPr>
-        <p:spPr>
-          <a:xfrm>
-            <a:off x="3273632" y="5651072"/>
-            <a:ext cx="963700" cy="0"/>
-          </a:xfrm>
-          <a:prstGeom prst="line">
-            <a:avLst/>
-          </a:prstGeom>
-          <a:ln w="38100">
-            <a:solidFill>
-              <a:srgbClr val="C00000"/>
-            </a:solidFill>
-          </a:ln>
-        </p:spPr>
-        <p:style>
-          <a:lnRef idx="1">
-            <a:schemeClr val="accent1"/>
-          </a:lnRef>
-          <a:fillRef idx="0">
-            <a:schemeClr val="accent1"/>
-          </a:fillRef>
-          <a:effectRef idx="0">
-            <a:schemeClr val="accent1"/>
-          </a:effectRef>
-          <a:fontRef idx="minor">
-            <a:schemeClr val="tx1"/>
-          </a:fontRef>
-        </p:style>
-      </p:cxnSp>
-      <p:cxnSp>
-        <p:nvCxnSpPr>
-          <p:cNvPr id="113" name="Straight Connector 112">
-            <a:extLst>
-              <a:ext uri="{FF2B5EF4-FFF2-40B4-BE49-F238E27FC236}">
-                <a16:creationId xmlns:a16="http://schemas.microsoft.com/office/drawing/2014/main" id="{566A5734-B9C8-4C86-B4BE-9A95433FF5F9}"/>
-              </a:ext>
-            </a:extLst>
-          </p:cNvPr>
-          <p:cNvCxnSpPr>
-            <a:cxnSpLocks/>
-          </p:cNvCxnSpPr>
-          <p:nvPr/>
-        </p:nvCxnSpPr>
-        <p:spPr>
-          <a:xfrm>
-            <a:off x="3290565" y="6260672"/>
-            <a:ext cx="963700" cy="0"/>
-          </a:xfrm>
-          <a:prstGeom prst="line">
-            <a:avLst/>
-          </a:prstGeom>
-          <a:ln w="38100">
-            <a:solidFill>
-              <a:srgbClr val="C00000"/>
-            </a:solidFill>
-          </a:ln>
-        </p:spPr>
-        <p:style>
-          <a:lnRef idx="1">
-            <a:schemeClr val="accent1"/>
-          </a:lnRef>
-          <a:fillRef idx="0">
-            <a:schemeClr val="accent1"/>
-          </a:fillRef>
-          <a:effectRef idx="0">
-            <a:schemeClr val="accent1"/>
-          </a:effectRef>
-          <a:fontRef idx="minor">
-            <a:schemeClr val="tx1"/>
-          </a:fontRef>
-        </p:style>
-      </p:cxnSp>
-      <p:cxnSp>
-        <p:nvCxnSpPr>
-          <p:cNvPr id="114" name="Straight Connector 113">
-            <a:extLst>
-              <a:ext uri="{FF2B5EF4-FFF2-40B4-BE49-F238E27FC236}">
-                <a16:creationId xmlns:a16="http://schemas.microsoft.com/office/drawing/2014/main" id="{21AD7167-BFAC-2F38-E1CA-D1B5C195A775}"/>
-              </a:ext>
-            </a:extLst>
-          </p:cNvPr>
-          <p:cNvCxnSpPr>
-            <a:cxnSpLocks/>
-          </p:cNvCxnSpPr>
-          <p:nvPr/>
-        </p:nvCxnSpPr>
-        <p:spPr>
-          <a:xfrm>
-            <a:off x="4227365" y="5651072"/>
-            <a:ext cx="0" cy="609600"/>
-          </a:xfrm>
-          <a:prstGeom prst="line">
-            <a:avLst/>
-          </a:prstGeom>
-          <a:ln w="38100">
-            <a:solidFill>
-              <a:srgbClr val="C00000"/>
-            </a:solidFill>
-          </a:ln>
-        </p:spPr>
-        <p:style>
-          <a:lnRef idx="1">
-            <a:schemeClr val="accent1"/>
-          </a:lnRef>
-          <a:fillRef idx="0">
-            <a:schemeClr val="accent1"/>
-          </a:fillRef>
-          <a:effectRef idx="0">
-            <a:schemeClr val="accent1"/>
-          </a:effectRef>
-          <a:fontRef idx="minor">
-            <a:schemeClr val="tx1"/>
-          </a:fontRef>
-        </p:style>
-      </p:cxnSp>
-      <p:cxnSp>
-        <p:nvCxnSpPr>
-          <p:cNvPr id="115" name="Straight Connector 114">
-            <a:extLst>
-              <a:ext uri="{FF2B5EF4-FFF2-40B4-BE49-F238E27FC236}">
-                <a16:creationId xmlns:a16="http://schemas.microsoft.com/office/drawing/2014/main" id="{58F974CF-ACA5-A50A-823B-D68E2D392D63}"/>
-              </a:ext>
-            </a:extLst>
-          </p:cNvPr>
-          <p:cNvCxnSpPr>
-            <a:cxnSpLocks/>
-          </p:cNvCxnSpPr>
-          <p:nvPr/>
-        </p:nvCxnSpPr>
-        <p:spPr>
-          <a:xfrm>
-            <a:off x="3290565" y="5651072"/>
-            <a:ext cx="0" cy="609600"/>
-          </a:xfrm>
-          <a:prstGeom prst="line">
-            <a:avLst/>
-          </a:prstGeom>
-          <a:ln w="38100">
-            <a:solidFill>
-              <a:srgbClr val="C00000"/>
-            </a:solidFill>
-          </a:ln>
-        </p:spPr>
-        <p:style>
-          <a:lnRef idx="1">
-            <a:schemeClr val="accent1"/>
-          </a:lnRef>
-          <a:fillRef idx="0">
-            <a:schemeClr val="accent1"/>
-          </a:fillRef>
-          <a:effectRef idx="0">
-            <a:schemeClr val="accent1"/>
-          </a:effectRef>
-          <a:fontRef idx="minor">
-            <a:schemeClr val="tx1"/>
-          </a:fontRef>
-        </p:style>
-      </p:cxnSp>
       <p:grpSp>
         <p:nvGrpSpPr>
           <p:cNvPr id="116" name="Group 115">
@@ -6187,8 +6107,8 @@
         </p:nvGrpSpPr>
         <p:grpSpPr>
           <a:xfrm rot="5400000">
-            <a:off x="3624163" y="6119491"/>
-            <a:ext cx="251974" cy="634376"/>
+            <a:off x="3526168" y="6616700"/>
+            <a:ext cx="251974" cy="396533"/>
             <a:chOff x="7022744" y="7638717"/>
             <a:chExt cx="251974" cy="646234"/>
           </a:xfrm>
@@ -6408,49 +6328,6 @@
           </p:cxnSp>
         </p:grpSp>
       </p:grpSp>
-      <p:sp>
-        <p:nvSpPr>
-          <p:cNvPr id="123" name="TextBox 122">
-            <a:extLst>
-              <a:ext uri="{FF2B5EF4-FFF2-40B4-BE49-F238E27FC236}">
-                <a16:creationId xmlns:a16="http://schemas.microsoft.com/office/drawing/2014/main" id="{9D4497FB-6D7D-2AE2-B90F-59B75D4BA3D3}"/>
-              </a:ext>
-            </a:extLst>
-          </p:cNvPr>
-          <p:cNvSpPr txBox="1"/>
-          <p:nvPr/>
-        </p:nvSpPr>
-        <p:spPr>
-          <a:xfrm>
-            <a:off x="3307499" y="5693993"/>
-            <a:ext cx="891591" cy="523220"/>
-          </a:xfrm>
-          <a:prstGeom prst="rect">
-            <a:avLst/>
-          </a:prstGeom>
-          <a:noFill/>
-        </p:spPr>
-        <p:txBody>
-          <a:bodyPr wrap="none" rtlCol="0">
-            <a:spAutoFit/>
-          </a:bodyPr>
-          <a:lstStyle/>
-          <a:p>
-            <a:pPr algn="ctr"/>
-            <a:r>
-              <a:rPr lang="en-US" sz="1400" dirty="0"/>
-              <a:t>Shooting</a:t>
-            </a:r>
-          </a:p>
-          <a:p>
-            <a:pPr algn="ctr"/>
-            <a:r>
-              <a:rPr lang="en-US" sz="1400" dirty="0"/>
-              <a:t> Area</a:t>
-            </a:r>
-          </a:p>
-        </p:txBody>
-      </p:sp>
       <p:grpSp>
         <p:nvGrpSpPr>
           <p:cNvPr id="157" name="Group 156">
@@ -6465,7 +6342,7 @@
         </p:nvGrpSpPr>
         <p:grpSpPr>
           <a:xfrm>
-            <a:off x="2371580" y="2698241"/>
+            <a:off x="2275885" y="3024048"/>
             <a:ext cx="1054100" cy="1194448"/>
             <a:chOff x="5288653" y="3377255"/>
             <a:chExt cx="1054100" cy="1194448"/>
@@ -7457,7 +7334,7 @@
         </p:nvSpPr>
         <p:spPr>
           <a:xfrm>
-            <a:off x="2730941" y="3502579"/>
+            <a:off x="2635246" y="3828386"/>
             <a:ext cx="333746" cy="246221"/>
           </a:xfrm>
           <a:prstGeom prst="rect">
@@ -7492,7 +7369,7 @@
         </p:nvSpPr>
         <p:spPr>
           <a:xfrm>
-            <a:off x="2756217" y="2705172"/>
+            <a:off x="2660522" y="3030979"/>
             <a:ext cx="333746" cy="246221"/>
           </a:xfrm>
           <a:prstGeom prst="rect">
@@ -7527,7 +7404,7 @@
         </p:nvSpPr>
         <p:spPr>
           <a:xfrm>
-            <a:off x="2416784" y="3108615"/>
+            <a:off x="2321089" y="3434422"/>
             <a:ext cx="333746" cy="246221"/>
           </a:xfrm>
           <a:prstGeom prst="rect">
@@ -7562,7 +7439,7 @@
         </p:nvSpPr>
         <p:spPr>
           <a:xfrm>
-            <a:off x="3057894" y="3115933"/>
+            <a:off x="2962199" y="3441740"/>
             <a:ext cx="333746" cy="246221"/>
           </a:xfrm>
           <a:prstGeom prst="rect">
@@ -7597,7 +7474,7 @@
         </p:nvSpPr>
         <p:spPr>
           <a:xfrm>
-            <a:off x="4392927" y="2704235"/>
+            <a:off x="4297232" y="3030042"/>
             <a:ext cx="333746" cy="246221"/>
           </a:xfrm>
           <a:prstGeom prst="rect">
@@ -7632,7 +7509,7 @@
         </p:nvSpPr>
         <p:spPr>
           <a:xfrm>
-            <a:off x="4043914" y="3108615"/>
+            <a:off x="3948219" y="3434422"/>
             <a:ext cx="333746" cy="246221"/>
           </a:xfrm>
           <a:prstGeom prst="rect">
@@ -7667,7 +7544,7 @@
         </p:nvSpPr>
         <p:spPr>
           <a:xfrm>
-            <a:off x="4394744" y="3507028"/>
+            <a:off x="4299049" y="3832835"/>
             <a:ext cx="333746" cy="246221"/>
           </a:xfrm>
           <a:prstGeom prst="rect">
@@ -7702,7 +7579,7 @@
         </p:nvSpPr>
         <p:spPr>
           <a:xfrm>
-            <a:off x="4677794" y="3097007"/>
+            <a:off x="4582099" y="3422814"/>
             <a:ext cx="333746" cy="246221"/>
           </a:xfrm>
           <a:prstGeom prst="rect">
@@ -7725,10 +7602,10 @@
       </p:sp>
       <p:grpSp>
         <p:nvGrpSpPr>
-          <p:cNvPr id="2" name="Group 107">
+          <p:cNvPr id="29" name="Group 28">
             <a:extLst>
               <a:ext uri="{FF2B5EF4-FFF2-40B4-BE49-F238E27FC236}">
-                <a16:creationId xmlns:a16="http://schemas.microsoft.com/office/drawing/2014/main" id="{2BF30D1F-30C9-D83C-259E-B4E694719D15}"/>
+                <a16:creationId xmlns:a16="http://schemas.microsoft.com/office/drawing/2014/main" id="{B6B162D7-BE4B-9C0E-7A90-33A292FD7D36}"/>
               </a:ext>
             </a:extLst>
           </p:cNvPr>
@@ -7736,662 +7613,38 @@
           <p:nvPr/>
         </p:nvGrpSpPr>
         <p:grpSpPr>
-          <a:xfrm rot="10800000">
-            <a:off x="3605239" y="2680073"/>
-            <a:ext cx="233507" cy="2684021"/>
-            <a:chOff x="1600200" y="3200400"/>
-            <a:chExt cx="533400" cy="3505200"/>
+          <a:xfrm>
+            <a:off x="3304684" y="5920167"/>
+            <a:ext cx="705830" cy="685800"/>
+            <a:chOff x="5780314" y="6019800"/>
+            <a:chExt cx="705830" cy="685800"/>
           </a:xfrm>
         </p:grpSpPr>
-        <p:sp>
-          <p:nvSpPr>
-            <p:cNvPr id="3" name="Rectangle 2">
-              <a:extLst>
-                <a:ext uri="{FF2B5EF4-FFF2-40B4-BE49-F238E27FC236}">
-                  <a16:creationId xmlns:a16="http://schemas.microsoft.com/office/drawing/2014/main" id="{AAAE789C-FFE4-FD90-7E51-A2517D5C73F4}"/>
-                </a:ext>
-              </a:extLst>
-            </p:cNvPr>
-            <p:cNvSpPr/>
-            <p:nvPr/>
-          </p:nvSpPr>
-          <p:spPr>
-            <a:xfrm>
-              <a:off x="1600200" y="3200400"/>
-              <a:ext cx="533400" cy="3505200"/>
-            </a:xfrm>
-            <a:prstGeom prst="rect">
-              <a:avLst/>
-            </a:prstGeom>
-            <a:noFill/>
-            <a:ln>
-              <a:solidFill>
-                <a:srgbClr val="FF9900"/>
-              </a:solidFill>
-            </a:ln>
-          </p:spPr>
-          <p:style>
-            <a:lnRef idx="2">
-              <a:schemeClr val="accent1">
-                <a:shade val="50000"/>
-              </a:schemeClr>
-            </a:lnRef>
-            <a:fillRef idx="1">
-              <a:schemeClr val="accent1"/>
-            </a:fillRef>
-            <a:effectRef idx="0">
-              <a:schemeClr val="accent1"/>
-            </a:effectRef>
-            <a:fontRef idx="minor">
-              <a:schemeClr val="lt1"/>
-            </a:fontRef>
-          </p:style>
-          <p:txBody>
-            <a:bodyPr rtlCol="0" anchor="ctr"/>
-            <a:lstStyle/>
-            <a:p>
-              <a:pPr algn="ctr"/>
-              <a:endParaRPr lang="en-US"/>
-            </a:p>
-          </p:txBody>
-        </p:sp>
-        <p:cxnSp>
-          <p:nvCxnSpPr>
-            <p:cNvPr id="4" name="Straight Connector 3">
-              <a:extLst>
-                <a:ext uri="{FF2B5EF4-FFF2-40B4-BE49-F238E27FC236}">
-                  <a16:creationId xmlns:a16="http://schemas.microsoft.com/office/drawing/2014/main" id="{24775160-75CE-5BB5-E615-D05C586AB8C4}"/>
-                </a:ext>
-              </a:extLst>
-            </p:cNvPr>
-            <p:cNvCxnSpPr/>
-            <p:nvPr/>
-          </p:nvCxnSpPr>
-          <p:spPr>
-            <a:xfrm>
-              <a:off x="1600200" y="3505200"/>
-              <a:ext cx="533400" cy="0"/>
-            </a:xfrm>
-            <a:prstGeom prst="line">
-              <a:avLst/>
-            </a:prstGeom>
-            <a:ln w="25400">
-              <a:solidFill>
-                <a:srgbClr val="FF9900"/>
-              </a:solidFill>
-            </a:ln>
-          </p:spPr>
-          <p:style>
-            <a:lnRef idx="1">
-              <a:schemeClr val="accent1"/>
-            </a:lnRef>
-            <a:fillRef idx="0">
-              <a:schemeClr val="accent1"/>
-            </a:fillRef>
-            <a:effectRef idx="0">
-              <a:schemeClr val="accent1"/>
-            </a:effectRef>
-            <a:fontRef idx="minor">
-              <a:schemeClr val="tx1"/>
-            </a:fontRef>
-          </p:style>
-        </p:cxnSp>
-        <p:cxnSp>
-          <p:nvCxnSpPr>
-            <p:cNvPr id="5" name="Straight Connector 4">
-              <a:extLst>
-                <a:ext uri="{FF2B5EF4-FFF2-40B4-BE49-F238E27FC236}">
-                  <a16:creationId xmlns:a16="http://schemas.microsoft.com/office/drawing/2014/main" id="{6300667D-C6D6-B358-9331-D591BAF40BBA}"/>
-                </a:ext>
-              </a:extLst>
-            </p:cNvPr>
-            <p:cNvCxnSpPr/>
-            <p:nvPr/>
-          </p:nvCxnSpPr>
-          <p:spPr>
-            <a:xfrm>
-              <a:off x="1600200" y="3657600"/>
-              <a:ext cx="533400" cy="0"/>
-            </a:xfrm>
-            <a:prstGeom prst="line">
-              <a:avLst/>
-            </a:prstGeom>
-            <a:ln w="25400">
-              <a:solidFill>
-                <a:srgbClr val="FF9900"/>
-              </a:solidFill>
-            </a:ln>
-          </p:spPr>
-          <p:style>
-            <a:lnRef idx="1">
-              <a:schemeClr val="accent1"/>
-            </a:lnRef>
-            <a:fillRef idx="0">
-              <a:schemeClr val="accent1"/>
-            </a:fillRef>
-            <a:effectRef idx="0">
-              <a:schemeClr val="accent1"/>
-            </a:effectRef>
-            <a:fontRef idx="minor">
-              <a:schemeClr val="tx1"/>
-            </a:fontRef>
-          </p:style>
-        </p:cxnSp>
-        <p:cxnSp>
-          <p:nvCxnSpPr>
-            <p:cNvPr id="6" name="Straight Connector 5">
-              <a:extLst>
-                <a:ext uri="{FF2B5EF4-FFF2-40B4-BE49-F238E27FC236}">
-                  <a16:creationId xmlns:a16="http://schemas.microsoft.com/office/drawing/2014/main" id="{EEFEC2EB-83F1-0E06-FB60-BF7C1A8ED948}"/>
-                </a:ext>
-              </a:extLst>
-            </p:cNvPr>
-            <p:cNvCxnSpPr/>
-            <p:nvPr/>
-          </p:nvCxnSpPr>
-          <p:spPr>
-            <a:xfrm>
-              <a:off x="1600200" y="3810000"/>
-              <a:ext cx="533400" cy="0"/>
-            </a:xfrm>
-            <a:prstGeom prst="line">
-              <a:avLst/>
-            </a:prstGeom>
-            <a:ln w="25400">
-              <a:solidFill>
-                <a:srgbClr val="FF9900"/>
-              </a:solidFill>
-            </a:ln>
-          </p:spPr>
-          <p:style>
-            <a:lnRef idx="1">
-              <a:schemeClr val="accent1"/>
-            </a:lnRef>
-            <a:fillRef idx="0">
-              <a:schemeClr val="accent1"/>
-            </a:fillRef>
-            <a:effectRef idx="0">
-              <a:schemeClr val="accent1"/>
-            </a:effectRef>
-            <a:fontRef idx="minor">
-              <a:schemeClr val="tx1"/>
-            </a:fontRef>
-          </p:style>
-        </p:cxnSp>
-        <p:cxnSp>
-          <p:nvCxnSpPr>
-            <p:cNvPr id="7" name="Straight Connector 6">
-              <a:extLst>
-                <a:ext uri="{FF2B5EF4-FFF2-40B4-BE49-F238E27FC236}">
-                  <a16:creationId xmlns:a16="http://schemas.microsoft.com/office/drawing/2014/main" id="{D4602CB0-804D-04AF-A06B-A56013D56E46}"/>
-                </a:ext>
-              </a:extLst>
-            </p:cNvPr>
-            <p:cNvCxnSpPr/>
-            <p:nvPr/>
-          </p:nvCxnSpPr>
-          <p:spPr>
-            <a:xfrm>
-              <a:off x="1600200" y="3962400"/>
-              <a:ext cx="533400" cy="0"/>
-            </a:xfrm>
-            <a:prstGeom prst="line">
-              <a:avLst/>
-            </a:prstGeom>
-            <a:ln w="25400">
-              <a:solidFill>
-                <a:srgbClr val="FF9900"/>
-              </a:solidFill>
-            </a:ln>
-          </p:spPr>
-          <p:style>
-            <a:lnRef idx="1">
-              <a:schemeClr val="accent1"/>
-            </a:lnRef>
-            <a:fillRef idx="0">
-              <a:schemeClr val="accent1"/>
-            </a:fillRef>
-            <a:effectRef idx="0">
-              <a:schemeClr val="accent1"/>
-            </a:effectRef>
-            <a:fontRef idx="minor">
-              <a:schemeClr val="tx1"/>
-            </a:fontRef>
-          </p:style>
-        </p:cxnSp>
-        <p:cxnSp>
-          <p:nvCxnSpPr>
-            <p:cNvPr id="8" name="Straight Connector 7">
-              <a:extLst>
-                <a:ext uri="{FF2B5EF4-FFF2-40B4-BE49-F238E27FC236}">
-                  <a16:creationId xmlns:a16="http://schemas.microsoft.com/office/drawing/2014/main" id="{8B3059C8-DDCD-701B-EC2C-5652BACEA9B8}"/>
-                </a:ext>
-              </a:extLst>
-            </p:cNvPr>
-            <p:cNvCxnSpPr/>
-            <p:nvPr/>
-          </p:nvCxnSpPr>
-          <p:spPr>
-            <a:xfrm>
-              <a:off x="1600200" y="4114800"/>
-              <a:ext cx="533400" cy="0"/>
-            </a:xfrm>
-            <a:prstGeom prst="line">
-              <a:avLst/>
-            </a:prstGeom>
-            <a:ln w="25400">
-              <a:solidFill>
-                <a:srgbClr val="FF9900"/>
-              </a:solidFill>
-            </a:ln>
-          </p:spPr>
-          <p:style>
-            <a:lnRef idx="1">
-              <a:schemeClr val="accent1"/>
-            </a:lnRef>
-            <a:fillRef idx="0">
-              <a:schemeClr val="accent1"/>
-            </a:fillRef>
-            <a:effectRef idx="0">
-              <a:schemeClr val="accent1"/>
-            </a:effectRef>
-            <a:fontRef idx="minor">
-              <a:schemeClr val="tx1"/>
-            </a:fontRef>
-          </p:style>
-        </p:cxnSp>
-        <p:cxnSp>
-          <p:nvCxnSpPr>
-            <p:cNvPr id="9" name="Straight Connector 8">
-              <a:extLst>
-                <a:ext uri="{FF2B5EF4-FFF2-40B4-BE49-F238E27FC236}">
-                  <a16:creationId xmlns:a16="http://schemas.microsoft.com/office/drawing/2014/main" id="{9AC04424-588C-FF0B-6F28-95FD8F6F6C0F}"/>
-                </a:ext>
-              </a:extLst>
-            </p:cNvPr>
-            <p:cNvCxnSpPr/>
-            <p:nvPr/>
-          </p:nvCxnSpPr>
-          <p:spPr>
-            <a:xfrm>
-              <a:off x="1600200" y="4267200"/>
-              <a:ext cx="533400" cy="0"/>
-            </a:xfrm>
-            <a:prstGeom prst="line">
-              <a:avLst/>
-            </a:prstGeom>
-            <a:ln w="25400">
-              <a:solidFill>
-                <a:srgbClr val="FF9900"/>
-              </a:solidFill>
-            </a:ln>
-          </p:spPr>
-          <p:style>
-            <a:lnRef idx="1">
-              <a:schemeClr val="accent1"/>
-            </a:lnRef>
-            <a:fillRef idx="0">
-              <a:schemeClr val="accent1"/>
-            </a:fillRef>
-            <a:effectRef idx="0">
-              <a:schemeClr val="accent1"/>
-            </a:effectRef>
-            <a:fontRef idx="minor">
-              <a:schemeClr val="tx1"/>
-            </a:fontRef>
-          </p:style>
-        </p:cxnSp>
-        <p:cxnSp>
-          <p:nvCxnSpPr>
-            <p:cNvPr id="10" name="Straight Connector 9">
-              <a:extLst>
-                <a:ext uri="{FF2B5EF4-FFF2-40B4-BE49-F238E27FC236}">
-                  <a16:creationId xmlns:a16="http://schemas.microsoft.com/office/drawing/2014/main" id="{E7C2377A-0202-CAF6-FFB3-26C726D5D4C9}"/>
-                </a:ext>
-              </a:extLst>
-            </p:cNvPr>
-            <p:cNvCxnSpPr/>
-            <p:nvPr/>
-          </p:nvCxnSpPr>
-          <p:spPr>
-            <a:xfrm>
-              <a:off x="1600200" y="4419600"/>
-              <a:ext cx="533400" cy="0"/>
-            </a:xfrm>
-            <a:prstGeom prst="line">
-              <a:avLst/>
-            </a:prstGeom>
-            <a:ln w="25400">
-              <a:solidFill>
-                <a:srgbClr val="FF9900"/>
-              </a:solidFill>
-            </a:ln>
-          </p:spPr>
-          <p:style>
-            <a:lnRef idx="1">
-              <a:schemeClr val="accent1"/>
-            </a:lnRef>
-            <a:fillRef idx="0">
-              <a:schemeClr val="accent1"/>
-            </a:fillRef>
-            <a:effectRef idx="0">
-              <a:schemeClr val="accent1"/>
-            </a:effectRef>
-            <a:fontRef idx="minor">
-              <a:schemeClr val="tx1"/>
-            </a:fontRef>
-          </p:style>
-        </p:cxnSp>
-        <p:cxnSp>
-          <p:nvCxnSpPr>
-            <p:cNvPr id="11" name="Straight Connector 10">
-              <a:extLst>
-                <a:ext uri="{FF2B5EF4-FFF2-40B4-BE49-F238E27FC236}">
-                  <a16:creationId xmlns:a16="http://schemas.microsoft.com/office/drawing/2014/main" id="{6DC14D58-FEA0-3697-6902-0BDCECD7112E}"/>
-                </a:ext>
-              </a:extLst>
-            </p:cNvPr>
-            <p:cNvCxnSpPr/>
-            <p:nvPr/>
-          </p:nvCxnSpPr>
-          <p:spPr>
-            <a:xfrm>
-              <a:off x="1600200" y="4572000"/>
-              <a:ext cx="533400" cy="0"/>
-            </a:xfrm>
-            <a:prstGeom prst="line">
-              <a:avLst/>
-            </a:prstGeom>
-            <a:ln w="25400">
-              <a:solidFill>
-                <a:srgbClr val="FF9900"/>
-              </a:solidFill>
-            </a:ln>
-          </p:spPr>
-          <p:style>
-            <a:lnRef idx="1">
-              <a:schemeClr val="accent1"/>
-            </a:lnRef>
-            <a:fillRef idx="0">
-              <a:schemeClr val="accent1"/>
-            </a:fillRef>
-            <a:effectRef idx="0">
-              <a:schemeClr val="accent1"/>
-            </a:effectRef>
-            <a:fontRef idx="minor">
-              <a:schemeClr val="tx1"/>
-            </a:fontRef>
-          </p:style>
-        </p:cxnSp>
-        <p:cxnSp>
-          <p:nvCxnSpPr>
-            <p:cNvPr id="12" name="Straight Connector 11">
-              <a:extLst>
-                <a:ext uri="{FF2B5EF4-FFF2-40B4-BE49-F238E27FC236}">
-                  <a16:creationId xmlns:a16="http://schemas.microsoft.com/office/drawing/2014/main" id="{1DF09D86-3353-6D5F-909A-39574B51EDC2}"/>
-                </a:ext>
-              </a:extLst>
-            </p:cNvPr>
-            <p:cNvCxnSpPr/>
-            <p:nvPr/>
-          </p:nvCxnSpPr>
-          <p:spPr>
-            <a:xfrm>
-              <a:off x="1600200" y="4724400"/>
-              <a:ext cx="533400" cy="0"/>
-            </a:xfrm>
-            <a:prstGeom prst="line">
-              <a:avLst/>
-            </a:prstGeom>
-            <a:ln w="25400">
-              <a:solidFill>
-                <a:srgbClr val="FF9900"/>
-              </a:solidFill>
-            </a:ln>
-          </p:spPr>
-          <p:style>
-            <a:lnRef idx="1">
-              <a:schemeClr val="accent1"/>
-            </a:lnRef>
-            <a:fillRef idx="0">
-              <a:schemeClr val="accent1"/>
-            </a:fillRef>
-            <a:effectRef idx="0">
-              <a:schemeClr val="accent1"/>
-            </a:effectRef>
-            <a:fontRef idx="minor">
-              <a:schemeClr val="tx1"/>
-            </a:fontRef>
-          </p:style>
-        </p:cxnSp>
-        <p:cxnSp>
-          <p:nvCxnSpPr>
-            <p:cNvPr id="13" name="Straight Connector 12">
-              <a:extLst>
-                <a:ext uri="{FF2B5EF4-FFF2-40B4-BE49-F238E27FC236}">
-                  <a16:creationId xmlns:a16="http://schemas.microsoft.com/office/drawing/2014/main" id="{A33012A0-5502-45EC-5E68-DC202AE52A94}"/>
-                </a:ext>
-              </a:extLst>
-            </p:cNvPr>
-            <p:cNvCxnSpPr/>
-            <p:nvPr/>
-          </p:nvCxnSpPr>
-          <p:spPr>
-            <a:xfrm>
-              <a:off x="1600200" y="4876800"/>
-              <a:ext cx="533400" cy="0"/>
-            </a:xfrm>
-            <a:prstGeom prst="line">
-              <a:avLst/>
-            </a:prstGeom>
-            <a:ln w="25400">
-              <a:solidFill>
-                <a:srgbClr val="FF9900"/>
-              </a:solidFill>
-            </a:ln>
-          </p:spPr>
-          <p:style>
-            <a:lnRef idx="1">
-              <a:schemeClr val="accent1"/>
-            </a:lnRef>
-            <a:fillRef idx="0">
-              <a:schemeClr val="accent1"/>
-            </a:fillRef>
-            <a:effectRef idx="0">
-              <a:schemeClr val="accent1"/>
-            </a:effectRef>
-            <a:fontRef idx="minor">
-              <a:schemeClr val="tx1"/>
-            </a:fontRef>
-          </p:style>
-        </p:cxnSp>
-        <p:cxnSp>
-          <p:nvCxnSpPr>
-            <p:cNvPr id="14" name="Straight Connector 13">
-              <a:extLst>
-                <a:ext uri="{FF2B5EF4-FFF2-40B4-BE49-F238E27FC236}">
-                  <a16:creationId xmlns:a16="http://schemas.microsoft.com/office/drawing/2014/main" id="{6291D44C-EE3D-944D-67C8-6BA329833FAB}"/>
-                </a:ext>
-              </a:extLst>
-            </p:cNvPr>
-            <p:cNvCxnSpPr/>
-            <p:nvPr/>
-          </p:nvCxnSpPr>
-          <p:spPr>
-            <a:xfrm>
-              <a:off x="1600200" y="5029200"/>
-              <a:ext cx="533400" cy="0"/>
-            </a:xfrm>
-            <a:prstGeom prst="line">
-              <a:avLst/>
-            </a:prstGeom>
-            <a:ln w="25400">
-              <a:solidFill>
-                <a:srgbClr val="FF9900"/>
-              </a:solidFill>
-            </a:ln>
-          </p:spPr>
-          <p:style>
-            <a:lnRef idx="1">
-              <a:schemeClr val="accent1"/>
-            </a:lnRef>
-            <a:fillRef idx="0">
-              <a:schemeClr val="accent1"/>
-            </a:fillRef>
-            <a:effectRef idx="0">
-              <a:schemeClr val="accent1"/>
-            </a:effectRef>
-            <a:fontRef idx="minor">
-              <a:schemeClr val="tx1"/>
-            </a:fontRef>
-          </p:style>
-        </p:cxnSp>
         <p:cxnSp>
           <p:nvCxnSpPr>
             <p:cNvPr id="16" name="Straight Connector 15">
               <a:extLst>
                 <a:ext uri="{FF2B5EF4-FFF2-40B4-BE49-F238E27FC236}">
-                  <a16:creationId xmlns:a16="http://schemas.microsoft.com/office/drawing/2014/main" id="{AC5915DC-043A-041C-0767-0CFCD7CC1794}"/>
+                  <a16:creationId xmlns:a16="http://schemas.microsoft.com/office/drawing/2014/main" id="{728035F3-77F1-8879-DC60-4E318B49BC50}"/>
                 </a:ext>
               </a:extLst>
             </p:cNvPr>
-            <p:cNvCxnSpPr/>
+            <p:cNvCxnSpPr>
+              <a:cxnSpLocks/>
+            </p:cNvCxnSpPr>
             <p:nvPr/>
           </p:nvCxnSpPr>
           <p:spPr>
             <a:xfrm>
-              <a:off x="1600200" y="5181600"/>
-              <a:ext cx="533400" cy="0"/>
+              <a:off x="5797731" y="6019800"/>
+              <a:ext cx="0" cy="685800"/>
             </a:xfrm>
             <a:prstGeom prst="line">
               <a:avLst/>
             </a:prstGeom>
-            <a:ln w="25400">
+            <a:ln w="38100">
               <a:solidFill>
-                <a:srgbClr val="FF9900"/>
-              </a:solidFill>
-            </a:ln>
-          </p:spPr>
-          <p:style>
-            <a:lnRef idx="1">
-              <a:schemeClr val="accent1"/>
-            </a:lnRef>
-            <a:fillRef idx="0">
-              <a:schemeClr val="accent1"/>
-            </a:fillRef>
-            <a:effectRef idx="0">
-              <a:schemeClr val="accent1"/>
-            </a:effectRef>
-            <a:fontRef idx="minor">
-              <a:schemeClr val="tx1"/>
-            </a:fontRef>
-          </p:style>
-        </p:cxnSp>
-        <p:cxnSp>
-          <p:nvCxnSpPr>
-            <p:cNvPr id="22" name="Straight Connector 21">
-              <a:extLst>
-                <a:ext uri="{FF2B5EF4-FFF2-40B4-BE49-F238E27FC236}">
-                  <a16:creationId xmlns:a16="http://schemas.microsoft.com/office/drawing/2014/main" id="{ACDC24D5-5025-D02D-3D9D-77DE388C93D2}"/>
-                </a:ext>
-              </a:extLst>
-            </p:cNvPr>
-            <p:cNvCxnSpPr/>
-            <p:nvPr/>
-          </p:nvCxnSpPr>
-          <p:spPr>
-            <a:xfrm>
-              <a:off x="1600200" y="5334000"/>
-              <a:ext cx="533400" cy="0"/>
-            </a:xfrm>
-            <a:prstGeom prst="line">
-              <a:avLst/>
-            </a:prstGeom>
-            <a:ln w="25400">
-              <a:solidFill>
-                <a:srgbClr val="FF9900"/>
-              </a:solidFill>
-            </a:ln>
-          </p:spPr>
-          <p:style>
-            <a:lnRef idx="1">
-              <a:schemeClr val="accent1"/>
-            </a:lnRef>
-            <a:fillRef idx="0">
-              <a:schemeClr val="accent1"/>
-            </a:fillRef>
-            <a:effectRef idx="0">
-              <a:schemeClr val="accent1"/>
-            </a:effectRef>
-            <a:fontRef idx="minor">
-              <a:schemeClr val="tx1"/>
-            </a:fontRef>
-          </p:style>
-        </p:cxnSp>
-        <p:cxnSp>
-          <p:nvCxnSpPr>
-            <p:cNvPr id="23" name="Straight Connector 22">
-              <a:extLst>
-                <a:ext uri="{FF2B5EF4-FFF2-40B4-BE49-F238E27FC236}">
-                  <a16:creationId xmlns:a16="http://schemas.microsoft.com/office/drawing/2014/main" id="{43CB5ED9-29EA-66C7-3389-7640D57D7EB4}"/>
-                </a:ext>
-              </a:extLst>
-            </p:cNvPr>
-            <p:cNvCxnSpPr/>
-            <p:nvPr/>
-          </p:nvCxnSpPr>
-          <p:spPr>
-            <a:xfrm>
-              <a:off x="1600200" y="5486400"/>
-              <a:ext cx="533400" cy="0"/>
-            </a:xfrm>
-            <a:prstGeom prst="line">
-              <a:avLst/>
-            </a:prstGeom>
-            <a:ln w="25400">
-              <a:solidFill>
-                <a:srgbClr val="FF9900"/>
-              </a:solidFill>
-            </a:ln>
-          </p:spPr>
-          <p:style>
-            <a:lnRef idx="1">
-              <a:schemeClr val="accent1"/>
-            </a:lnRef>
-            <a:fillRef idx="0">
-              <a:schemeClr val="accent1"/>
-            </a:fillRef>
-            <a:effectRef idx="0">
-              <a:schemeClr val="accent1"/>
-            </a:effectRef>
-            <a:fontRef idx="minor">
-              <a:schemeClr val="tx1"/>
-            </a:fontRef>
-          </p:style>
-        </p:cxnSp>
-        <p:cxnSp>
-          <p:nvCxnSpPr>
-            <p:cNvPr id="24" name="Straight Connector 23">
-              <a:extLst>
-                <a:ext uri="{FF2B5EF4-FFF2-40B4-BE49-F238E27FC236}">
-                  <a16:creationId xmlns:a16="http://schemas.microsoft.com/office/drawing/2014/main" id="{0AC1F364-880F-2BCF-6636-128626C8B38F}"/>
-                </a:ext>
-              </a:extLst>
-            </p:cNvPr>
-            <p:cNvCxnSpPr/>
-            <p:nvPr/>
-          </p:nvCxnSpPr>
-          <p:spPr>
-            <a:xfrm>
-              <a:off x="1600200" y="5638800"/>
-              <a:ext cx="533400" cy="0"/>
-            </a:xfrm>
-            <a:prstGeom prst="line">
-              <a:avLst/>
-            </a:prstGeom>
-            <a:ln w="25400">
-              <a:solidFill>
-                <a:srgbClr val="FF9900"/>
+                <a:srgbClr val="C00000"/>
               </a:solidFill>
             </a:ln>
           </p:spPr>
@@ -8415,24 +7668,26 @@
             <p:cNvPr id="25" name="Straight Connector 24">
               <a:extLst>
                 <a:ext uri="{FF2B5EF4-FFF2-40B4-BE49-F238E27FC236}">
-                  <a16:creationId xmlns:a16="http://schemas.microsoft.com/office/drawing/2014/main" id="{823BDD0C-7665-F0CB-5D34-C81D84C03544}"/>
+                  <a16:creationId xmlns:a16="http://schemas.microsoft.com/office/drawing/2014/main" id="{283AEF3E-2DD8-62FC-36FB-EF848F0DB9BA}"/>
                 </a:ext>
               </a:extLst>
             </p:cNvPr>
-            <p:cNvCxnSpPr/>
+            <p:cNvCxnSpPr>
+              <a:cxnSpLocks/>
+            </p:cNvCxnSpPr>
             <p:nvPr/>
           </p:nvCxnSpPr>
           <p:spPr>
             <a:xfrm>
-              <a:off x="1600200" y="5791200"/>
-              <a:ext cx="533400" cy="0"/>
+              <a:off x="6477000" y="6019800"/>
+              <a:ext cx="0" cy="685800"/>
             </a:xfrm>
             <a:prstGeom prst="line">
               <a:avLst/>
             </a:prstGeom>
-            <a:ln w="25400">
+            <a:ln w="38100">
               <a:solidFill>
-                <a:srgbClr val="FF9900"/>
+                <a:srgbClr val="C00000"/>
               </a:solidFill>
             </a:ln>
           </p:spPr>
@@ -8456,65 +7711,26 @@
             <p:cNvPr id="26" name="Straight Connector 25">
               <a:extLst>
                 <a:ext uri="{FF2B5EF4-FFF2-40B4-BE49-F238E27FC236}">
-                  <a16:creationId xmlns:a16="http://schemas.microsoft.com/office/drawing/2014/main" id="{FFBA4F2E-DFF8-DF26-676A-2F9585636F6B}"/>
+                  <a16:creationId xmlns:a16="http://schemas.microsoft.com/office/drawing/2014/main" id="{6F5DF38D-16B3-3824-E0DC-8E6A1B19B807}"/>
                 </a:ext>
               </a:extLst>
             </p:cNvPr>
-            <p:cNvCxnSpPr/>
+            <p:cNvCxnSpPr>
+              <a:cxnSpLocks/>
+            </p:cNvCxnSpPr>
             <p:nvPr/>
           </p:nvCxnSpPr>
           <p:spPr>
             <a:xfrm>
-              <a:off x="1600200" y="5943600"/>
-              <a:ext cx="533400" cy="0"/>
+              <a:off x="5780314" y="6705600"/>
+              <a:ext cx="694944" cy="0"/>
             </a:xfrm>
             <a:prstGeom prst="line">
               <a:avLst/>
             </a:prstGeom>
-            <a:ln w="25400">
+            <a:ln w="38100">
               <a:solidFill>
-                <a:srgbClr val="FF9900"/>
-              </a:solidFill>
-            </a:ln>
-          </p:spPr>
-          <p:style>
-            <a:lnRef idx="1">
-              <a:schemeClr val="accent1"/>
-            </a:lnRef>
-            <a:fillRef idx="0">
-              <a:schemeClr val="accent1"/>
-            </a:fillRef>
-            <a:effectRef idx="0">
-              <a:schemeClr val="accent1"/>
-            </a:effectRef>
-            <a:fontRef idx="minor">
-              <a:schemeClr val="tx1"/>
-            </a:fontRef>
-          </p:style>
-        </p:cxnSp>
-        <p:cxnSp>
-          <p:nvCxnSpPr>
-            <p:cNvPr id="27" name="Straight Connector 26">
-              <a:extLst>
-                <a:ext uri="{FF2B5EF4-FFF2-40B4-BE49-F238E27FC236}">
-                  <a16:creationId xmlns:a16="http://schemas.microsoft.com/office/drawing/2014/main" id="{41275810-3229-14F8-5F6F-D4A20AE9C64B}"/>
-                </a:ext>
-              </a:extLst>
-            </p:cNvPr>
-            <p:cNvCxnSpPr/>
-            <p:nvPr/>
-          </p:nvCxnSpPr>
-          <p:spPr>
-            <a:xfrm>
-              <a:off x="1600200" y="6096000"/>
-              <a:ext cx="533400" cy="0"/>
-            </a:xfrm>
-            <a:prstGeom prst="line">
-              <a:avLst/>
-            </a:prstGeom>
-            <a:ln w="25400">
-              <a:solidFill>
-                <a:srgbClr val="FF9900"/>
+                <a:srgbClr val="C00000"/>
               </a:solidFill>
             </a:ln>
           </p:spPr>
@@ -8538,393 +7754,26 @@
             <p:cNvPr id="28" name="Straight Connector 27">
               <a:extLst>
                 <a:ext uri="{FF2B5EF4-FFF2-40B4-BE49-F238E27FC236}">
-                  <a16:creationId xmlns:a16="http://schemas.microsoft.com/office/drawing/2014/main" id="{BC962305-F8F1-232F-03C2-06275A575571}"/>
+                  <a16:creationId xmlns:a16="http://schemas.microsoft.com/office/drawing/2014/main" id="{1EC6644E-31D2-6290-A7A9-E97F3533D9C7}"/>
                 </a:ext>
               </a:extLst>
             </p:cNvPr>
-            <p:cNvCxnSpPr/>
+            <p:cNvCxnSpPr>
+              <a:cxnSpLocks/>
+            </p:cNvCxnSpPr>
             <p:nvPr/>
           </p:nvCxnSpPr>
           <p:spPr>
             <a:xfrm>
-              <a:off x="1600200" y="6248400"/>
-              <a:ext cx="533400" cy="0"/>
+              <a:off x="5791200" y="6024154"/>
+              <a:ext cx="694944" cy="0"/>
             </a:xfrm>
             <a:prstGeom prst="line">
               <a:avLst/>
             </a:prstGeom>
-            <a:ln w="25400">
+            <a:ln w="38100">
               <a:solidFill>
-                <a:srgbClr val="FF9900"/>
-              </a:solidFill>
-            </a:ln>
-          </p:spPr>
-          <p:style>
-            <a:lnRef idx="1">
-              <a:schemeClr val="accent1"/>
-            </a:lnRef>
-            <a:fillRef idx="0">
-              <a:schemeClr val="accent1"/>
-            </a:fillRef>
-            <a:effectRef idx="0">
-              <a:schemeClr val="accent1"/>
-            </a:effectRef>
-            <a:fontRef idx="minor">
-              <a:schemeClr val="tx1"/>
-            </a:fontRef>
-          </p:style>
-        </p:cxnSp>
-        <p:cxnSp>
-          <p:nvCxnSpPr>
-            <p:cNvPr id="29" name="Straight Connector 28">
-              <a:extLst>
-                <a:ext uri="{FF2B5EF4-FFF2-40B4-BE49-F238E27FC236}">
-                  <a16:creationId xmlns:a16="http://schemas.microsoft.com/office/drawing/2014/main" id="{BD6D7F87-9E51-D6E9-9653-46167CB8C84E}"/>
-                </a:ext>
-              </a:extLst>
-            </p:cNvPr>
-            <p:cNvCxnSpPr/>
-            <p:nvPr/>
-          </p:nvCxnSpPr>
-          <p:spPr>
-            <a:xfrm>
-              <a:off x="1600200" y="6400800"/>
-              <a:ext cx="533400" cy="0"/>
-            </a:xfrm>
-            <a:prstGeom prst="line">
-              <a:avLst/>
-            </a:prstGeom>
-            <a:ln w="25400">
-              <a:solidFill>
-                <a:srgbClr val="FF9900"/>
-              </a:solidFill>
-            </a:ln>
-          </p:spPr>
-          <p:style>
-            <a:lnRef idx="1">
-              <a:schemeClr val="accent1"/>
-            </a:lnRef>
-            <a:fillRef idx="0">
-              <a:schemeClr val="accent1"/>
-            </a:fillRef>
-            <a:effectRef idx="0">
-              <a:schemeClr val="accent1"/>
-            </a:effectRef>
-            <a:fontRef idx="minor">
-              <a:schemeClr val="tx1"/>
-            </a:fontRef>
-          </p:style>
-        </p:cxnSp>
-        <p:cxnSp>
-          <p:nvCxnSpPr>
-            <p:cNvPr id="30" name="Straight Connector 29">
-              <a:extLst>
-                <a:ext uri="{FF2B5EF4-FFF2-40B4-BE49-F238E27FC236}">
-                  <a16:creationId xmlns:a16="http://schemas.microsoft.com/office/drawing/2014/main" id="{56FCA93D-CA5B-1BA1-C40C-332E84BD97B2}"/>
-                </a:ext>
-              </a:extLst>
-            </p:cNvPr>
-            <p:cNvCxnSpPr/>
-            <p:nvPr/>
-          </p:nvCxnSpPr>
-          <p:spPr>
-            <a:xfrm>
-              <a:off x="1600200" y="6553200"/>
-              <a:ext cx="533400" cy="0"/>
-            </a:xfrm>
-            <a:prstGeom prst="line">
-              <a:avLst/>
-            </a:prstGeom>
-            <a:ln w="25400">
-              <a:solidFill>
-                <a:srgbClr val="FF9900"/>
-              </a:solidFill>
-            </a:ln>
-          </p:spPr>
-          <p:style>
-            <a:lnRef idx="1">
-              <a:schemeClr val="accent1"/>
-            </a:lnRef>
-            <a:fillRef idx="0">
-              <a:schemeClr val="accent1"/>
-            </a:fillRef>
-            <a:effectRef idx="0">
-              <a:schemeClr val="accent1"/>
-            </a:effectRef>
-            <a:fontRef idx="minor">
-              <a:schemeClr val="tx1"/>
-            </a:fontRef>
-          </p:style>
-        </p:cxnSp>
-        <p:cxnSp>
-          <p:nvCxnSpPr>
-            <p:cNvPr id="31" name="Straight Connector 30">
-              <a:extLst>
-                <a:ext uri="{FF2B5EF4-FFF2-40B4-BE49-F238E27FC236}">
-                  <a16:creationId xmlns:a16="http://schemas.microsoft.com/office/drawing/2014/main" id="{6DCA075F-87E0-9ED3-49BD-F711F9917894}"/>
-                </a:ext>
-              </a:extLst>
-            </p:cNvPr>
-            <p:cNvCxnSpPr/>
-            <p:nvPr/>
-          </p:nvCxnSpPr>
-          <p:spPr>
-            <a:xfrm>
-              <a:off x="1600200" y="3352800"/>
-              <a:ext cx="533400" cy="0"/>
-            </a:xfrm>
-            <a:prstGeom prst="line">
-              <a:avLst/>
-            </a:prstGeom>
-            <a:ln w="25400">
-              <a:solidFill>
-                <a:srgbClr val="FF9900"/>
-              </a:solidFill>
-            </a:ln>
-          </p:spPr>
-          <p:style>
-            <a:lnRef idx="1">
-              <a:schemeClr val="accent1"/>
-            </a:lnRef>
-            <a:fillRef idx="0">
-              <a:schemeClr val="accent1"/>
-            </a:fillRef>
-            <a:effectRef idx="0">
-              <a:schemeClr val="accent1"/>
-            </a:effectRef>
-            <a:fontRef idx="minor">
-              <a:schemeClr val="tx1"/>
-            </a:fontRef>
-          </p:style>
-        </p:cxnSp>
-        <p:cxnSp>
-          <p:nvCxnSpPr>
-            <p:cNvPr id="32" name="Straight Connector 31">
-              <a:extLst>
-                <a:ext uri="{FF2B5EF4-FFF2-40B4-BE49-F238E27FC236}">
-                  <a16:creationId xmlns:a16="http://schemas.microsoft.com/office/drawing/2014/main" id="{3D8DB1C2-8835-D4E3-5A10-F523EBBCA250}"/>
-                </a:ext>
-              </a:extLst>
-            </p:cNvPr>
-            <p:cNvCxnSpPr/>
-            <p:nvPr/>
-          </p:nvCxnSpPr>
-          <p:spPr>
-            <a:xfrm rot="5400000">
-              <a:off x="228600" y="4953000"/>
-              <a:ext cx="3505200" cy="0"/>
-            </a:xfrm>
-            <a:prstGeom prst="line">
-              <a:avLst/>
-            </a:prstGeom>
-            <a:ln w="25400">
-              <a:solidFill>
-                <a:srgbClr val="FF9900"/>
-              </a:solidFill>
-            </a:ln>
-          </p:spPr>
-          <p:style>
-            <a:lnRef idx="1">
-              <a:schemeClr val="accent1"/>
-            </a:lnRef>
-            <a:fillRef idx="0">
-              <a:schemeClr val="accent1"/>
-            </a:fillRef>
-            <a:effectRef idx="0">
-              <a:schemeClr val="accent1"/>
-            </a:effectRef>
-            <a:fontRef idx="minor">
-              <a:schemeClr val="tx1"/>
-            </a:fontRef>
-          </p:style>
-        </p:cxnSp>
-        <p:cxnSp>
-          <p:nvCxnSpPr>
-            <p:cNvPr id="33" name="Straight Connector 32">
-              <a:extLst>
-                <a:ext uri="{FF2B5EF4-FFF2-40B4-BE49-F238E27FC236}">
-                  <a16:creationId xmlns:a16="http://schemas.microsoft.com/office/drawing/2014/main" id="{E3941F3F-F98F-FB7F-CC51-D1B4765DE486}"/>
-                </a:ext>
-              </a:extLst>
-            </p:cNvPr>
-            <p:cNvCxnSpPr/>
-            <p:nvPr/>
-          </p:nvCxnSpPr>
-          <p:spPr>
-            <a:xfrm rot="5400000">
-              <a:off x="76200" y="4953000"/>
-              <a:ext cx="3505200" cy="0"/>
-            </a:xfrm>
-            <a:prstGeom prst="line">
-              <a:avLst/>
-            </a:prstGeom>
-            <a:ln w="25400">
-              <a:solidFill>
-                <a:srgbClr val="FF9900"/>
-              </a:solidFill>
-            </a:ln>
-          </p:spPr>
-          <p:style>
-            <a:lnRef idx="1">
-              <a:schemeClr val="accent1"/>
-            </a:lnRef>
-            <a:fillRef idx="0">
-              <a:schemeClr val="accent1"/>
-            </a:fillRef>
-            <a:effectRef idx="0">
-              <a:schemeClr val="accent1"/>
-            </a:effectRef>
-            <a:fontRef idx="minor">
-              <a:schemeClr val="tx1"/>
-            </a:fontRef>
-          </p:style>
-        </p:cxnSp>
-        <p:cxnSp>
-          <p:nvCxnSpPr>
-            <p:cNvPr id="34" name="Straight Connector 33">
-              <a:extLst>
-                <a:ext uri="{FF2B5EF4-FFF2-40B4-BE49-F238E27FC236}">
-                  <a16:creationId xmlns:a16="http://schemas.microsoft.com/office/drawing/2014/main" id="{2ED5F2FD-6A98-4B4F-35F5-2C6F09759A76}"/>
-                </a:ext>
-              </a:extLst>
-            </p:cNvPr>
-            <p:cNvCxnSpPr/>
-            <p:nvPr/>
-          </p:nvCxnSpPr>
-          <p:spPr>
-            <a:xfrm rot="5400000">
-              <a:off x="-76200" y="4953000"/>
-              <a:ext cx="3505200" cy="0"/>
-            </a:xfrm>
-            <a:prstGeom prst="line">
-              <a:avLst/>
-            </a:prstGeom>
-            <a:ln w="25400">
-              <a:solidFill>
-                <a:srgbClr val="FF9900"/>
-              </a:solidFill>
-            </a:ln>
-          </p:spPr>
-          <p:style>
-            <a:lnRef idx="1">
-              <a:schemeClr val="accent1"/>
-            </a:lnRef>
-            <a:fillRef idx="0">
-              <a:schemeClr val="accent1"/>
-            </a:fillRef>
-            <a:effectRef idx="0">
-              <a:schemeClr val="accent1"/>
-            </a:effectRef>
-            <a:fontRef idx="minor">
-              <a:schemeClr val="tx1"/>
-            </a:fontRef>
-          </p:style>
-        </p:cxnSp>
-        <p:cxnSp>
-          <p:nvCxnSpPr>
-            <p:cNvPr id="35" name="Straight Connector 34">
-              <a:extLst>
-                <a:ext uri="{FF2B5EF4-FFF2-40B4-BE49-F238E27FC236}">
-                  <a16:creationId xmlns:a16="http://schemas.microsoft.com/office/drawing/2014/main" id="{06618822-BCC2-8AF5-5649-E0AF47A26761}"/>
-                </a:ext>
-              </a:extLst>
-            </p:cNvPr>
-            <p:cNvCxnSpPr/>
-            <p:nvPr/>
-          </p:nvCxnSpPr>
-          <p:spPr>
-            <a:xfrm rot="5400000">
-              <a:off x="0" y="4953000"/>
-              <a:ext cx="3505200" cy="0"/>
-            </a:xfrm>
-            <a:prstGeom prst="line">
-              <a:avLst/>
-            </a:prstGeom>
-            <a:ln w="25400">
-              <a:solidFill>
-                <a:srgbClr val="FF9900"/>
-              </a:solidFill>
-            </a:ln>
-          </p:spPr>
-          <p:style>
-            <a:lnRef idx="1">
-              <a:schemeClr val="accent1"/>
-            </a:lnRef>
-            <a:fillRef idx="0">
-              <a:schemeClr val="accent1"/>
-            </a:fillRef>
-            <a:effectRef idx="0">
-              <a:schemeClr val="accent1"/>
-            </a:effectRef>
-            <a:fontRef idx="minor">
-              <a:schemeClr val="tx1"/>
-            </a:fontRef>
-          </p:style>
-        </p:cxnSp>
-        <p:cxnSp>
-          <p:nvCxnSpPr>
-            <p:cNvPr id="36" name="Straight Connector 35">
-              <a:extLst>
-                <a:ext uri="{FF2B5EF4-FFF2-40B4-BE49-F238E27FC236}">
-                  <a16:creationId xmlns:a16="http://schemas.microsoft.com/office/drawing/2014/main" id="{D88BCDDB-5C62-EE50-91D6-E5D863A6AA88}"/>
-                </a:ext>
-              </a:extLst>
-            </p:cNvPr>
-            <p:cNvCxnSpPr/>
-            <p:nvPr/>
-          </p:nvCxnSpPr>
-          <p:spPr>
-            <a:xfrm rot="5400000">
-              <a:off x="152400" y="4953000"/>
-              <a:ext cx="3505200" cy="0"/>
-            </a:xfrm>
-            <a:prstGeom prst="line">
-              <a:avLst/>
-            </a:prstGeom>
-            <a:ln w="25400">
-              <a:solidFill>
-                <a:srgbClr val="FF9900"/>
-              </a:solidFill>
-            </a:ln>
-          </p:spPr>
-          <p:style>
-            <a:lnRef idx="1">
-              <a:schemeClr val="accent1"/>
-            </a:lnRef>
-            <a:fillRef idx="0">
-              <a:schemeClr val="accent1"/>
-            </a:fillRef>
-            <a:effectRef idx="0">
-              <a:schemeClr val="accent1"/>
-            </a:effectRef>
-            <a:fontRef idx="minor">
-              <a:schemeClr val="tx1"/>
-            </a:fontRef>
-          </p:style>
-        </p:cxnSp>
-        <p:cxnSp>
-          <p:nvCxnSpPr>
-            <p:cNvPr id="37" name="Straight Connector 36">
-              <a:extLst>
-                <a:ext uri="{FF2B5EF4-FFF2-40B4-BE49-F238E27FC236}">
-                  <a16:creationId xmlns:a16="http://schemas.microsoft.com/office/drawing/2014/main" id="{7C7A2D44-75DD-1371-4927-EF51CC9F139E}"/>
-                </a:ext>
-              </a:extLst>
-            </p:cNvPr>
-            <p:cNvCxnSpPr/>
-            <p:nvPr/>
-          </p:nvCxnSpPr>
-          <p:spPr>
-            <a:xfrm rot="5400000">
-              <a:off x="304800" y="4953000"/>
-              <a:ext cx="3505200" cy="0"/>
-            </a:xfrm>
-            <a:prstGeom prst="line">
-              <a:avLst/>
-            </a:prstGeom>
-            <a:ln w="25400">
-              <a:solidFill>
-                <a:srgbClr val="FF9900"/>
+                <a:srgbClr val="C00000"/>
               </a:solidFill>
             </a:ln>
           </p:spPr>

--- a/Stages/Indoor/Speed Shoot - 16 or less/Speed Shoot - 16 rounds v1.pptx
+++ b/Stages/Indoor/Speed Shoot - 16 or less/Speed Shoot - 16 rounds v1.pptx
@@ -242,7 +242,7 @@
             <a:fld id="{6FD315A2-9F92-4CCE-886A-5EF00EA90DC0}" type="datetimeFigureOut">
               <a:rPr lang="en-US" smtClean="0"/>
               <a:pPr/>
-              <a:t>1/9/23</a:t>
+              <a:t>11/21/23</a:t>
             </a:fld>
             <a:endParaRPr lang="en-US"/>
           </a:p>
@@ -3721,7 +3721,7 @@
           <p:nvPr>
             <p:extLst>
               <p:ext uri="{D42A27DB-BD31-4B8C-83A1-F6EECF244321}">
-                <p14:modId xmlns:p14="http://schemas.microsoft.com/office/powerpoint/2010/main" val="1994804785"/>
+                <p14:modId xmlns:p14="http://schemas.microsoft.com/office/powerpoint/2010/main" val="2060324612"/>
               </p:ext>
             </p:extLst>
           </p:nvPr>
@@ -4738,10 +4738,10 @@
                           <a:latin typeface="Arial" charset="0"/>
                           <a:cs typeface="Times New Roman" charset="0"/>
                         </a:rPr>
-                        <a:t>Upon start signal, from inside the box engage target Array 1 (T1-T4) or target Array 2 (T5-T8), then perform a </a:t>
+                        <a:t>Upon start signal, from inside the box engage target Array 1 (T1-T4) or target Array 2 (T5-T8), then perform </a:t>
                       </a:r>
                       <a:r>
-                        <a:rPr kumimoji="0" lang="en-US" sz="1100" b="0" i="0" u="sng" strike="noStrike" cap="none" normalizeH="0" baseline="0" dirty="0" err="1">
+                        <a:rPr kumimoji="0" lang="en-US" sz="1100" b="0" i="0" u="none" strike="noStrike" cap="none" normalizeH="0" baseline="0">
                           <a:ln>
                             <a:noFill/>
                           </a:ln>
@@ -4752,7 +4752,7 @@
                           <a:latin typeface="Arial" charset="0"/>
                           <a:cs typeface="Times New Roman" charset="0"/>
                         </a:rPr>
-                        <a:t>manditory</a:t>
+                        <a:t>a </a:t>
                       </a:r>
                       <a:r>
                         <a:rPr kumimoji="0" lang="en-US" sz="1100" b="0" i="0" u="sng" strike="noStrike" cap="none" normalizeH="0" baseline="0">
@@ -4766,10 +4766,10 @@
                           <a:latin typeface="Arial" charset="0"/>
                           <a:cs typeface="Times New Roman" charset="0"/>
                         </a:rPr>
-                        <a:t> reload</a:t>
+                        <a:t>mandatory </a:t>
                       </a:r>
                       <a:r>
-                        <a:rPr kumimoji="0" lang="en-US" sz="1100" b="0" i="0" u="none" strike="noStrike" cap="none" normalizeH="0" baseline="0">
+                        <a:rPr kumimoji="0" lang="en-US" sz="1100" b="0" i="0" u="sng" strike="noStrike" cap="none" normalizeH="0" baseline="0" dirty="0">
                           <a:ln>
                             <a:noFill/>
                           </a:ln>
@@ -4780,7 +4780,7 @@
                           <a:latin typeface="Arial" charset="0"/>
                           <a:cs typeface="Times New Roman" charset="0"/>
                         </a:rPr>
-                        <a:t> </a:t>
+                        <a:t>reload</a:t>
                       </a:r>
                       <a:r>
                         <a:rPr kumimoji="0" lang="en-US" sz="1100" b="0" i="0" u="none" strike="noStrike" cap="none" normalizeH="0" baseline="0" dirty="0">
@@ -4794,7 +4794,7 @@
                           <a:latin typeface="Arial" charset="0"/>
                           <a:cs typeface="Times New Roman" charset="0"/>
                         </a:rPr>
-                        <a:t>and engage the remaining targets.</a:t>
+                        <a:t> and engage the remaining targets.</a:t>
                       </a:r>
                     </a:p>
                   </a:txBody>
